--- a/files/rev25.pptx
+++ b/files/rev25.pptx
@@ -216,7 +216,7 @@
           <a:p>
             <a:fld id="{C6513600-717B-4CBB-9AFE-1F576C1D3E1D}" type="datetimeFigureOut">
               <a:rPr lang="he-IL" smtClean="0"/>
-              <a:t>י"א/טבת/תשפ"ה</a:t>
+              <a:t>כ"ג/חשון/תשפ"ו</a:t>
             </a:fld>
             <a:endParaRPr lang="he-IL"/>
           </a:p>
@@ -1987,7 +1987,7 @@
           <a:p>
             <a:fld id="{02109FA5-8937-4EFE-A1A6-BD6EB76E3D9A}" type="datetimeFigureOut">
               <a:rPr lang="he-IL" smtClean="0"/>
-              <a:t>י"א/טבת/תשפ"ה</a:t>
+              <a:t>כ"ג/חשון/תשפ"ו</a:t>
             </a:fld>
             <a:endParaRPr lang="he-IL"/>
           </a:p>
@@ -2187,7 +2187,7 @@
           <a:p>
             <a:fld id="{02109FA5-8937-4EFE-A1A6-BD6EB76E3D9A}" type="datetimeFigureOut">
               <a:rPr lang="he-IL" smtClean="0"/>
-              <a:t>י"א/טבת/תשפ"ה</a:t>
+              <a:t>כ"ג/חשון/תשפ"ו</a:t>
             </a:fld>
             <a:endParaRPr lang="he-IL"/>
           </a:p>
@@ -2397,7 +2397,7 @@
           <a:p>
             <a:fld id="{02109FA5-8937-4EFE-A1A6-BD6EB76E3D9A}" type="datetimeFigureOut">
               <a:rPr lang="he-IL" smtClean="0"/>
-              <a:t>י"א/טבת/תשפ"ה</a:t>
+              <a:t>כ"ג/חשון/תשפ"ו</a:t>
             </a:fld>
             <a:endParaRPr lang="he-IL"/>
           </a:p>
@@ -2597,7 +2597,7 @@
           <a:p>
             <a:fld id="{02109FA5-8937-4EFE-A1A6-BD6EB76E3D9A}" type="datetimeFigureOut">
               <a:rPr lang="he-IL" smtClean="0"/>
-              <a:t>י"א/טבת/תשפ"ה</a:t>
+              <a:t>כ"ג/חשון/תשפ"ו</a:t>
             </a:fld>
             <a:endParaRPr lang="he-IL"/>
           </a:p>
@@ -2873,7 +2873,7 @@
           <a:p>
             <a:fld id="{02109FA5-8937-4EFE-A1A6-BD6EB76E3D9A}" type="datetimeFigureOut">
               <a:rPr lang="he-IL" smtClean="0"/>
-              <a:t>י"א/טבת/תשפ"ה</a:t>
+              <a:t>כ"ג/חשון/תשפ"ו</a:t>
             </a:fld>
             <a:endParaRPr lang="he-IL"/>
           </a:p>
@@ -3141,7 +3141,7 @@
           <a:p>
             <a:fld id="{02109FA5-8937-4EFE-A1A6-BD6EB76E3D9A}" type="datetimeFigureOut">
               <a:rPr lang="he-IL" smtClean="0"/>
-              <a:t>י"א/טבת/תשפ"ה</a:t>
+              <a:t>כ"ג/חשון/תשפ"ו</a:t>
             </a:fld>
             <a:endParaRPr lang="he-IL"/>
           </a:p>
@@ -3556,7 +3556,7 @@
           <a:p>
             <a:fld id="{02109FA5-8937-4EFE-A1A6-BD6EB76E3D9A}" type="datetimeFigureOut">
               <a:rPr lang="he-IL" smtClean="0"/>
-              <a:t>י"א/טבת/תשפ"ה</a:t>
+              <a:t>כ"ג/חשון/תשפ"ו</a:t>
             </a:fld>
             <a:endParaRPr lang="he-IL"/>
           </a:p>
@@ -3698,7 +3698,7 @@
           <a:p>
             <a:fld id="{02109FA5-8937-4EFE-A1A6-BD6EB76E3D9A}" type="datetimeFigureOut">
               <a:rPr lang="he-IL" smtClean="0"/>
-              <a:t>י"א/טבת/תשפ"ה</a:t>
+              <a:t>כ"ג/חשון/תשפ"ו</a:t>
             </a:fld>
             <a:endParaRPr lang="he-IL"/>
           </a:p>
@@ -3811,7 +3811,7 @@
           <a:p>
             <a:fld id="{02109FA5-8937-4EFE-A1A6-BD6EB76E3D9A}" type="datetimeFigureOut">
               <a:rPr lang="he-IL" smtClean="0"/>
-              <a:t>י"א/טבת/תשפ"ה</a:t>
+              <a:t>כ"ג/חשון/תשפ"ו</a:t>
             </a:fld>
             <a:endParaRPr lang="he-IL"/>
           </a:p>
@@ -4124,7 +4124,7 @@
           <a:p>
             <a:fld id="{02109FA5-8937-4EFE-A1A6-BD6EB76E3D9A}" type="datetimeFigureOut">
               <a:rPr lang="he-IL" smtClean="0"/>
-              <a:t>י"א/טבת/תשפ"ה</a:t>
+              <a:t>כ"ג/חשון/תשפ"ו</a:t>
             </a:fld>
             <a:endParaRPr lang="he-IL"/>
           </a:p>
@@ -4417,7 +4417,7 @@
           <a:p>
             <a:fld id="{02109FA5-8937-4EFE-A1A6-BD6EB76E3D9A}" type="datetimeFigureOut">
               <a:rPr lang="he-IL" smtClean="0"/>
-              <a:t>י"א/טבת/תשפ"ה</a:t>
+              <a:t>כ"ג/חשון/תשפ"ו</a:t>
             </a:fld>
             <a:endParaRPr lang="he-IL"/>
           </a:p>
@@ -4660,7 +4660,7 @@
           <a:p>
             <a:fld id="{02109FA5-8937-4EFE-A1A6-BD6EB76E3D9A}" type="datetimeFigureOut">
               <a:rPr lang="he-IL" smtClean="0"/>
-              <a:t>י"א/טבת/תשפ"ה</a:t>
+              <a:t>כ"ג/חשון/תשפ"ו</a:t>
             </a:fld>
             <a:endParaRPr lang="he-IL"/>
           </a:p>
@@ -5245,7 +5245,7 @@
                 <a:latin typeface="Miriam Libre"/>
                 <a:cs typeface="Miriam Libre"/>
               </a:rPr>
-              <a:t>January 2025</a:t>
+              <a:t>Winter 2025/26</a:t>
             </a:r>
             <a:endParaRPr lang="he-IL" dirty="0">
               <a:solidFill>
